--- a/docs/presentations/ECP_May26_2020.pptx
+++ b/docs/presentations/ECP_May26_2020.pptx
@@ -203,7 +203,7 @@
           <a:p>
             <a:fld id="{76F24B4E-108A-8F42-AF88-BF77C7C4A4AB}" type="datetimeFigureOut">
               <a:rPr lang="en-US" smtClean="0"/>
-              <a:t>5/25/20</a:t>
+              <a:t>5/28/20</a:t>
             </a:fld>
             <a:endParaRPr lang="en-US"/>
           </a:p>
@@ -2022,7 +2022,7 @@
           <a:p>
             <a:fld id="{07517624-F793-3A4C-90FA-F235301867BF}" type="datetimeFigureOut">
               <a:rPr lang="en-US" smtClean="0"/>
-              <a:t>5/25/20</a:t>
+              <a:t>5/28/20</a:t>
             </a:fld>
             <a:endParaRPr lang="en-US"/>
           </a:p>
@@ -2220,7 +2220,7 @@
           <a:p>
             <a:fld id="{07517624-F793-3A4C-90FA-F235301867BF}" type="datetimeFigureOut">
               <a:rPr lang="en-US" smtClean="0"/>
-              <a:t>5/25/20</a:t>
+              <a:t>5/28/20</a:t>
             </a:fld>
             <a:endParaRPr lang="en-US"/>
           </a:p>
@@ -2428,7 +2428,7 @@
           <a:p>
             <a:fld id="{07517624-F793-3A4C-90FA-F235301867BF}" type="datetimeFigureOut">
               <a:rPr lang="en-US" smtClean="0"/>
-              <a:t>5/25/20</a:t>
+              <a:t>5/28/20</a:t>
             </a:fld>
             <a:endParaRPr lang="en-US"/>
           </a:p>
@@ -2636,7 +2636,7 @@
           <a:p>
             <a:fld id="{07517624-F793-3A4C-90FA-F235301867BF}" type="datetimeFigureOut">
               <a:rPr lang="en-US" smtClean="0"/>
-              <a:t>5/25/20</a:t>
+              <a:t>5/28/20</a:t>
             </a:fld>
             <a:endParaRPr lang="en-US"/>
           </a:p>
@@ -2911,7 +2911,7 @@
           <a:p>
             <a:fld id="{07517624-F793-3A4C-90FA-F235301867BF}" type="datetimeFigureOut">
               <a:rPr lang="en-US" smtClean="0"/>
-              <a:t>5/25/20</a:t>
+              <a:t>5/28/20</a:t>
             </a:fld>
             <a:endParaRPr lang="en-US"/>
           </a:p>
@@ -3176,7 +3176,7 @@
           <a:p>
             <a:fld id="{07517624-F793-3A4C-90FA-F235301867BF}" type="datetimeFigureOut">
               <a:rPr lang="en-US" smtClean="0"/>
-              <a:t>5/25/20</a:t>
+              <a:t>5/28/20</a:t>
             </a:fld>
             <a:endParaRPr lang="en-US"/>
           </a:p>
@@ -3588,7 +3588,7 @@
           <a:p>
             <a:fld id="{07517624-F793-3A4C-90FA-F235301867BF}" type="datetimeFigureOut">
               <a:rPr lang="en-US" smtClean="0"/>
-              <a:t>5/25/20</a:t>
+              <a:t>5/28/20</a:t>
             </a:fld>
             <a:endParaRPr lang="en-US"/>
           </a:p>
@@ -3729,7 +3729,7 @@
           <a:p>
             <a:fld id="{07517624-F793-3A4C-90FA-F235301867BF}" type="datetimeFigureOut">
               <a:rPr lang="en-US" smtClean="0"/>
-              <a:t>5/25/20</a:t>
+              <a:t>5/28/20</a:t>
             </a:fld>
             <a:endParaRPr lang="en-US"/>
           </a:p>
@@ -3842,7 +3842,7 @@
           <a:p>
             <a:fld id="{07517624-F793-3A4C-90FA-F235301867BF}" type="datetimeFigureOut">
               <a:rPr lang="en-US" smtClean="0"/>
-              <a:t>5/25/20</a:t>
+              <a:t>5/28/20</a:t>
             </a:fld>
             <a:endParaRPr lang="en-US"/>
           </a:p>
@@ -4153,7 +4153,7 @@
           <a:p>
             <a:fld id="{07517624-F793-3A4C-90FA-F235301867BF}" type="datetimeFigureOut">
               <a:rPr lang="en-US" smtClean="0"/>
-              <a:t>5/25/20</a:t>
+              <a:t>5/28/20</a:t>
             </a:fld>
             <a:endParaRPr lang="en-US"/>
           </a:p>
@@ -4441,7 +4441,7 @@
           <a:p>
             <a:fld id="{07517624-F793-3A4C-90FA-F235301867BF}" type="datetimeFigureOut">
               <a:rPr lang="en-US" smtClean="0"/>
-              <a:t>5/25/20</a:t>
+              <a:t>5/28/20</a:t>
             </a:fld>
             <a:endParaRPr lang="en-US"/>
           </a:p>
@@ -4682,7 +4682,7 @@
           <a:p>
             <a:fld id="{07517624-F793-3A4C-90FA-F235301867BF}" type="datetimeFigureOut">
               <a:rPr lang="en-US" smtClean="0"/>
-              <a:t>5/25/20</a:t>
+              <a:t>5/28/20</a:t>
             </a:fld>
             <a:endParaRPr lang="en-US"/>
           </a:p>
@@ -5446,8 +5446,8 @@
           </a:p>
         </p:txBody>
       </p:sp>
-      <mc:AlternateContent xmlns:mc="http://schemas.openxmlformats.org/markup-compatibility/2006">
-        <mc:Choice xmlns:a14="http://schemas.microsoft.com/office/drawing/2010/main" Requires="a14">
+      <mc:AlternateContent xmlns:mc="http://schemas.openxmlformats.org/markup-compatibility/2006" xmlns:a14="http://schemas.microsoft.com/office/drawing/2010/main">
+        <mc:Choice Requires="a14">
           <p:sp>
             <p:nvSpPr>
               <p:cNvPr id="8" name="Content Placeholder 7">
@@ -5608,7 +5608,7 @@
             </p:txBody>
           </p:sp>
         </mc:Choice>
-        <mc:Fallback>
+        <mc:Fallback xmlns="">
           <p:sp>
             <p:nvSpPr>
               <p:cNvPr id="8" name="Content Placeholder 7">
@@ -5652,8 +5652,8 @@
           </p:sp>
         </mc:Fallback>
       </mc:AlternateContent>
-      <mc:AlternateContent xmlns:mc="http://schemas.openxmlformats.org/markup-compatibility/2006">
-        <mc:Choice xmlns:a14="http://schemas.microsoft.com/office/drawing/2010/main" Requires="a14">
+      <mc:AlternateContent xmlns:mc="http://schemas.openxmlformats.org/markup-compatibility/2006" xmlns:a14="http://schemas.microsoft.com/office/drawing/2010/main">
+        <mc:Choice Requires="a14">
           <p:sp>
             <p:nvSpPr>
               <p:cNvPr id="9" name="Content Placeholder 8">
@@ -5994,7 +5994,7 @@
             </p:txBody>
           </p:sp>
         </mc:Choice>
-        <mc:Fallback>
+        <mc:Fallback xmlns="">
           <p:sp>
             <p:nvSpPr>
               <p:cNvPr id="9" name="Content Placeholder 8">
@@ -6874,7 +6874,7 @@
                 <a:ea typeface="Helvetica Neue Light" panose="02000403000000020004" pitchFamily="2" charset="0"/>
                 <a:cs typeface="Helvetica Neue" panose="02000503000000020004" pitchFamily="2" charset="0"/>
               </a:rPr>
-              <a:t>~6s per single-period problem</a:t>
+              <a:t>~60s per single-period problem</a:t>
             </a:r>
             <a:br>
               <a:rPr lang="en-US" dirty="0">
@@ -6905,7 +6905,7 @@
                 <a:ea typeface="Helvetica Neue Light" panose="02000403000000020004" pitchFamily="2" charset="0"/>
                 <a:cs typeface="Helvetica Neue" panose="02000503000000020004" pitchFamily="2" charset="0"/>
               </a:rPr>
-              <a:t>): ~6min</a:t>
+              <a:t>): ~4h</a:t>
             </a:r>
           </a:p>
         </p:txBody>
@@ -6945,7 +6945,7 @@
                 <a:ea typeface="Helvetica Neue Light" panose="02000403000000020004" pitchFamily="2" charset="0"/>
                 <a:cs typeface="Helvetica Neue" panose="02000503000000020004" pitchFamily="2" charset="0"/>
               </a:rPr>
-              <a:t>~60s per single-period problem</a:t>
+              <a:t>~6s per single-period problem</a:t>
             </a:r>
             <a:br>
               <a:rPr lang="en-US" dirty="0">
@@ -6976,7 +6976,7 @@
                 <a:ea typeface="Helvetica Neue Light" panose="02000403000000020004" pitchFamily="2" charset="0"/>
                 <a:cs typeface="Helvetica Neue" panose="02000503000000020004" pitchFamily="2" charset="0"/>
               </a:rPr>
-              <a:t>): ~4h</a:t>
+              <a:t>): ~6min</a:t>
             </a:r>
           </a:p>
         </p:txBody>
